--- a/figures_tables/paper/figure_assembly/Figure_4.pptx
+++ b/figures_tables/paper/figure_assembly/Figure_4.pptx
@@ -197,7 +197,7 @@
           <a:p>
             <a:fld id="{8ABF01CF-3305-A74B-8B05-C7F87612AEB0}" type="datetimeFigureOut">
               <a:rPr lang="en-US" smtClean="0"/>
-              <a:t>5/5/20</a:t>
+              <a:t>11/26/20</a:t>
             </a:fld>
             <a:endParaRPr lang="en-US"/>
           </a:p>
@@ -695,7 +695,7 @@
           <a:p>
             <a:fld id="{8F5C869D-D792-1C43-9488-465CE19598B0}" type="datetimeFigureOut">
               <a:rPr lang="en-US" smtClean="0"/>
-              <a:t>5/5/20</a:t>
+              <a:t>11/26/20</a:t>
             </a:fld>
             <a:endParaRPr lang="en-US"/>
           </a:p>
@@ -893,7 +893,7 @@
           <a:p>
             <a:fld id="{8F5C869D-D792-1C43-9488-465CE19598B0}" type="datetimeFigureOut">
               <a:rPr lang="en-US" smtClean="0"/>
-              <a:t>5/5/20</a:t>
+              <a:t>11/26/20</a:t>
             </a:fld>
             <a:endParaRPr lang="en-US"/>
           </a:p>
@@ -1101,7 +1101,7 @@
           <a:p>
             <a:fld id="{8F5C869D-D792-1C43-9488-465CE19598B0}" type="datetimeFigureOut">
               <a:rPr lang="en-US" smtClean="0"/>
-              <a:t>5/5/20</a:t>
+              <a:t>11/26/20</a:t>
             </a:fld>
             <a:endParaRPr lang="en-US"/>
           </a:p>
@@ -1299,7 +1299,7 @@
           <a:p>
             <a:fld id="{8F5C869D-D792-1C43-9488-465CE19598B0}" type="datetimeFigureOut">
               <a:rPr lang="en-US" smtClean="0"/>
-              <a:t>5/5/20</a:t>
+              <a:t>11/26/20</a:t>
             </a:fld>
             <a:endParaRPr lang="en-US"/>
           </a:p>
@@ -1574,7 +1574,7 @@
           <a:p>
             <a:fld id="{8F5C869D-D792-1C43-9488-465CE19598B0}" type="datetimeFigureOut">
               <a:rPr lang="en-US" smtClean="0"/>
-              <a:t>5/5/20</a:t>
+              <a:t>11/26/20</a:t>
             </a:fld>
             <a:endParaRPr lang="en-US"/>
           </a:p>
@@ -1839,7 +1839,7 @@
           <a:p>
             <a:fld id="{8F5C869D-D792-1C43-9488-465CE19598B0}" type="datetimeFigureOut">
               <a:rPr lang="en-US" smtClean="0"/>
-              <a:t>5/5/20</a:t>
+              <a:t>11/26/20</a:t>
             </a:fld>
             <a:endParaRPr lang="en-US"/>
           </a:p>
@@ -2251,7 +2251,7 @@
           <a:p>
             <a:fld id="{8F5C869D-D792-1C43-9488-465CE19598B0}" type="datetimeFigureOut">
               <a:rPr lang="en-US" smtClean="0"/>
-              <a:t>5/5/20</a:t>
+              <a:t>11/26/20</a:t>
             </a:fld>
             <a:endParaRPr lang="en-US"/>
           </a:p>
@@ -2392,7 +2392,7 @@
           <a:p>
             <a:fld id="{8F5C869D-D792-1C43-9488-465CE19598B0}" type="datetimeFigureOut">
               <a:rPr lang="en-US" smtClean="0"/>
-              <a:t>5/5/20</a:t>
+              <a:t>11/26/20</a:t>
             </a:fld>
             <a:endParaRPr lang="en-US"/>
           </a:p>
@@ -2505,7 +2505,7 @@
           <a:p>
             <a:fld id="{8F5C869D-D792-1C43-9488-465CE19598B0}" type="datetimeFigureOut">
               <a:rPr lang="en-US" smtClean="0"/>
-              <a:t>5/5/20</a:t>
+              <a:t>11/26/20</a:t>
             </a:fld>
             <a:endParaRPr lang="en-US"/>
           </a:p>
@@ -2816,7 +2816,7 @@
           <a:p>
             <a:fld id="{8F5C869D-D792-1C43-9488-465CE19598B0}" type="datetimeFigureOut">
               <a:rPr lang="en-US" smtClean="0"/>
-              <a:t>5/5/20</a:t>
+              <a:t>11/26/20</a:t>
             </a:fld>
             <a:endParaRPr lang="en-US"/>
           </a:p>
@@ -3104,7 +3104,7 @@
           <a:p>
             <a:fld id="{8F5C869D-D792-1C43-9488-465CE19598B0}" type="datetimeFigureOut">
               <a:rPr lang="en-US" smtClean="0"/>
-              <a:t>5/5/20</a:t>
+              <a:t>11/26/20</a:t>
             </a:fld>
             <a:endParaRPr lang="en-US"/>
           </a:p>
@@ -3345,7 +3345,7 @@
           <a:p>
             <a:fld id="{8F5C869D-D792-1C43-9488-465CE19598B0}" type="datetimeFigureOut">
               <a:rPr lang="en-US" smtClean="0"/>
-              <a:t>5/5/20</a:t>
+              <a:t>11/26/20</a:t>
             </a:fld>
             <a:endParaRPr lang="en-US"/>
           </a:p>
@@ -3776,7 +3776,7 @@
         </p:nvSpPr>
         <p:spPr>
           <a:xfrm>
-            <a:off x="0" y="-1"/>
+            <a:off x="0" y="84669"/>
             <a:ext cx="479618" cy="369332"/>
           </a:xfrm>
           <a:prstGeom prst="rect">
@@ -3800,12 +3800,126 @@
           </a:p>
         </p:txBody>
       </p:sp>
+      <p:sp>
+        <p:nvSpPr>
+          <p:cNvPr id="44" name="TextBox 43">
+            <a:extLst>
+              <a:ext uri="{FF2B5EF4-FFF2-40B4-BE49-F238E27FC236}">
+                <a16:creationId xmlns:a16="http://schemas.microsoft.com/office/drawing/2014/main" id="{B779DB0B-44DD-EC46-BC6A-D140EF307DFA}"/>
+              </a:ext>
+            </a:extLst>
+          </p:cNvPr>
+          <p:cNvSpPr txBox="1"/>
+          <p:nvPr/>
+        </p:nvSpPr>
+        <p:spPr>
+          <a:xfrm>
+            <a:off x="3901542" y="84669"/>
+            <a:ext cx="479618" cy="369332"/>
+          </a:xfrm>
+          <a:prstGeom prst="rect">
+            <a:avLst/>
+          </a:prstGeom>
+          <a:noFill/>
+        </p:spPr>
+        <p:txBody>
+          <a:bodyPr wrap="none" rtlCol="0">
+            <a:spAutoFit/>
+          </a:bodyPr>
+          <a:lstStyle/>
+          <a:p>
+            <a:r>
+              <a:rPr lang="en-US" b="1" dirty="0">
+                <a:latin typeface="Arial" panose="020B0604020202020204" pitchFamily="34" charset="0"/>
+                <a:cs typeface="Arial" panose="020B0604020202020204" pitchFamily="34" charset="0"/>
+              </a:rPr>
+              <a:t>B. </a:t>
+            </a:r>
+          </a:p>
+        </p:txBody>
+      </p:sp>
+      <p:sp>
+        <p:nvSpPr>
+          <p:cNvPr id="45" name="TextBox 44">
+            <a:extLst>
+              <a:ext uri="{FF2B5EF4-FFF2-40B4-BE49-F238E27FC236}">
+                <a16:creationId xmlns:a16="http://schemas.microsoft.com/office/drawing/2014/main" id="{F20D2C7F-B394-A94C-8B8D-10BED6FD57D2}"/>
+              </a:ext>
+            </a:extLst>
+          </p:cNvPr>
+          <p:cNvSpPr txBox="1"/>
+          <p:nvPr/>
+        </p:nvSpPr>
+        <p:spPr>
+          <a:xfrm>
+            <a:off x="0" y="3429000"/>
+            <a:ext cx="479618" cy="369332"/>
+          </a:xfrm>
+          <a:prstGeom prst="rect">
+            <a:avLst/>
+          </a:prstGeom>
+          <a:noFill/>
+        </p:spPr>
+        <p:txBody>
+          <a:bodyPr wrap="none" rtlCol="0">
+            <a:spAutoFit/>
+          </a:bodyPr>
+          <a:lstStyle/>
+          <a:p>
+            <a:r>
+              <a:rPr lang="en-US" b="1" dirty="0">
+                <a:latin typeface="Arial" panose="020B0604020202020204" pitchFamily="34" charset="0"/>
+                <a:cs typeface="Arial" panose="020B0604020202020204" pitchFamily="34" charset="0"/>
+              </a:rPr>
+              <a:t>C. </a:t>
+            </a:r>
+          </a:p>
+        </p:txBody>
+      </p:sp>
+      <p:sp>
+        <p:nvSpPr>
+          <p:cNvPr id="46" name="TextBox 45">
+            <a:extLst>
+              <a:ext uri="{FF2B5EF4-FFF2-40B4-BE49-F238E27FC236}">
+                <a16:creationId xmlns:a16="http://schemas.microsoft.com/office/drawing/2014/main" id="{B217EAC1-3460-A748-B54B-3512CA4B254B}"/>
+              </a:ext>
+            </a:extLst>
+          </p:cNvPr>
+          <p:cNvSpPr txBox="1"/>
+          <p:nvPr/>
+        </p:nvSpPr>
+        <p:spPr>
+          <a:xfrm>
+            <a:off x="3901542" y="3429000"/>
+            <a:ext cx="479618" cy="369332"/>
+          </a:xfrm>
+          <a:prstGeom prst="rect">
+            <a:avLst/>
+          </a:prstGeom>
+          <a:noFill/>
+        </p:spPr>
+        <p:txBody>
+          <a:bodyPr wrap="none" rtlCol="0">
+            <a:spAutoFit/>
+          </a:bodyPr>
+          <a:lstStyle/>
+          <a:p>
+            <a:r>
+              <a:rPr lang="en-US" b="1" dirty="0">
+                <a:latin typeface="Arial" panose="020B0604020202020204" pitchFamily="34" charset="0"/>
+                <a:cs typeface="Arial" panose="020B0604020202020204" pitchFamily="34" charset="0"/>
+              </a:rPr>
+              <a:t>D. </a:t>
+            </a:r>
+          </a:p>
+        </p:txBody>
+      </p:sp>
       <p:pic>
         <p:nvPicPr>
-          <p:cNvPr id="35" name="Picture 34">
-            <a:extLst>
-              <a:ext uri="{FF2B5EF4-FFF2-40B4-BE49-F238E27FC236}">
-                <a16:creationId xmlns:a16="http://schemas.microsoft.com/office/drawing/2014/main" id="{E28C1C99-303A-8D4B-962F-4731F0866406}"/>
+          <p:cNvPr id="3" name="Picture 2">
+            <a:extLst>
+              <a:ext uri="{FF2B5EF4-FFF2-40B4-BE49-F238E27FC236}">
+                <a16:creationId xmlns:a16="http://schemas.microsoft.com/office/drawing/2014/main" id="{C16D82AC-A686-BC4E-B543-C5E31D77D8F7}"/>
               </a:ext>
             </a:extLst>
           </p:cNvPr>
@@ -3822,8 +3936,8 @@
         </p:blipFill>
         <p:spPr>
           <a:xfrm>
-            <a:off x="4141352" y="307428"/>
-            <a:ext cx="3121572" cy="3121572"/>
+            <a:off x="479618" y="84669"/>
+            <a:ext cx="3291840" cy="3291840"/>
           </a:xfrm>
           <a:prstGeom prst="rect">
             <a:avLst/>
@@ -3832,10 +3946,10 @@
       </p:pic>
       <p:pic>
         <p:nvPicPr>
-          <p:cNvPr id="37" name="Picture 36">
-            <a:extLst>
-              <a:ext uri="{FF2B5EF4-FFF2-40B4-BE49-F238E27FC236}">
-                <a16:creationId xmlns:a16="http://schemas.microsoft.com/office/drawing/2014/main" id="{A50A241D-2AFF-9843-AC20-407EF551DAA3}"/>
+          <p:cNvPr id="5" name="Picture 4">
+            <a:extLst>
+              <a:ext uri="{FF2B5EF4-FFF2-40B4-BE49-F238E27FC236}">
+                <a16:creationId xmlns:a16="http://schemas.microsoft.com/office/drawing/2014/main" id="{CEF3A9E6-6E91-134C-AD9F-66F9AECF362E}"/>
               </a:ext>
             </a:extLst>
           </p:cNvPr>
@@ -3852,8 +3966,8 @@
         </p:blipFill>
         <p:spPr>
           <a:xfrm>
-            <a:off x="299688" y="3657592"/>
-            <a:ext cx="3121573" cy="3121573"/>
+            <a:off x="4381160" y="84669"/>
+            <a:ext cx="3289322" cy="3289322"/>
           </a:xfrm>
           <a:prstGeom prst="rect">
             <a:avLst/>
@@ -3862,10 +3976,10 @@
       </p:pic>
       <p:pic>
         <p:nvPicPr>
-          <p:cNvPr id="41" name="Picture 40">
-            <a:extLst>
-              <a:ext uri="{FF2B5EF4-FFF2-40B4-BE49-F238E27FC236}">
-                <a16:creationId xmlns:a16="http://schemas.microsoft.com/office/drawing/2014/main" id="{B3A81E7B-54B3-B344-A029-31947C28135A}"/>
+          <p:cNvPr id="7" name="Picture 6">
+            <a:extLst>
+              <a:ext uri="{FF2B5EF4-FFF2-40B4-BE49-F238E27FC236}">
+                <a16:creationId xmlns:a16="http://schemas.microsoft.com/office/drawing/2014/main" id="{681B814D-260B-BD47-9A91-EF2610224EBF}"/>
               </a:ext>
             </a:extLst>
           </p:cNvPr>
@@ -3882,8 +3996,8 @@
         </p:blipFill>
         <p:spPr>
           <a:xfrm>
-            <a:off x="4141351" y="3657591"/>
-            <a:ext cx="3121573" cy="3121573"/>
+            <a:off x="479618" y="3429000"/>
+            <a:ext cx="3291840" cy="3291840"/>
           </a:xfrm>
           <a:prstGeom prst="rect">
             <a:avLst/>
@@ -3892,10 +4006,10 @@
       </p:pic>
       <p:pic>
         <p:nvPicPr>
-          <p:cNvPr id="43" name="Picture 42">
-            <a:extLst>
-              <a:ext uri="{FF2B5EF4-FFF2-40B4-BE49-F238E27FC236}">
-                <a16:creationId xmlns:a16="http://schemas.microsoft.com/office/drawing/2014/main" id="{B3CB3017-651A-684C-98FA-FD2CA74211F6}"/>
+          <p:cNvPr id="9" name="Picture 8">
+            <a:extLst>
+              <a:ext uri="{FF2B5EF4-FFF2-40B4-BE49-F238E27FC236}">
+                <a16:creationId xmlns:a16="http://schemas.microsoft.com/office/drawing/2014/main" id="{03EFB287-47EB-D84B-AC47-1FB57470CD36}"/>
               </a:ext>
             </a:extLst>
           </p:cNvPr>
@@ -3912,8 +4026,8 @@
         </p:blipFill>
         <p:spPr>
           <a:xfrm>
-            <a:off x="299689" y="307427"/>
-            <a:ext cx="3121573" cy="3121573"/>
+            <a:off x="4381160" y="3429000"/>
+            <a:ext cx="3291840" cy="3291840"/>
           </a:xfrm>
           <a:prstGeom prst="rect">
             <a:avLst/>
@@ -3922,10 +4036,10 @@
       </p:pic>
       <p:sp>
         <p:nvSpPr>
-          <p:cNvPr id="44" name="TextBox 43">
-            <a:extLst>
-              <a:ext uri="{FF2B5EF4-FFF2-40B4-BE49-F238E27FC236}">
-                <a16:creationId xmlns:a16="http://schemas.microsoft.com/office/drawing/2014/main" id="{B779DB0B-44DD-EC46-BC6A-D140EF307DFA}"/>
+          <p:cNvPr id="2" name="TextBox 1">
+            <a:extLst>
+              <a:ext uri="{FF2B5EF4-FFF2-40B4-BE49-F238E27FC236}">
+                <a16:creationId xmlns:a16="http://schemas.microsoft.com/office/drawing/2014/main" id="{9BB2FE53-1BD0-9746-A9EA-C442E1183EF8}"/>
               </a:ext>
             </a:extLst>
           </p:cNvPr>
@@ -3934,8 +4048,8 @@
         </p:nvSpPr>
         <p:spPr>
           <a:xfrm>
-            <a:off x="3901542" y="-1"/>
-            <a:ext cx="479618" cy="369332"/>
+            <a:off x="1608667" y="795866"/>
+            <a:ext cx="377026" cy="246221"/>
           </a:xfrm>
           <a:prstGeom prst="rect">
             <a:avLst/>
@@ -3949,21 +4063,18 @@
           <a:lstStyle/>
           <a:p>
             <a:r>
-              <a:rPr lang="en-US" b="1" dirty="0">
-                <a:latin typeface="Arial" panose="020B0604020202020204" pitchFamily="34" charset="0"/>
-                <a:cs typeface="Arial" panose="020B0604020202020204" pitchFamily="34" charset="0"/>
-              </a:rPr>
-              <a:t>B. </a:t>
-            </a:r>
-          </a:p>
-        </p:txBody>
-      </p:sp>
-      <p:sp>
-        <p:nvSpPr>
-          <p:cNvPr id="45" name="TextBox 44">
-            <a:extLst>
-              <a:ext uri="{FF2B5EF4-FFF2-40B4-BE49-F238E27FC236}">
-                <a16:creationId xmlns:a16="http://schemas.microsoft.com/office/drawing/2014/main" id="{F20D2C7F-B394-A94C-8B8D-10BED6FD57D2}"/>
+              <a:rPr lang="en-US" sz="1000" b="1" dirty="0"/>
+              <a:t>***</a:t>
+            </a:r>
+          </a:p>
+        </p:txBody>
+      </p:sp>
+      <p:sp>
+        <p:nvSpPr>
+          <p:cNvPr id="11" name="TextBox 10">
+            <a:extLst>
+              <a:ext uri="{FF2B5EF4-FFF2-40B4-BE49-F238E27FC236}">
+                <a16:creationId xmlns:a16="http://schemas.microsoft.com/office/drawing/2014/main" id="{957DF32C-EB35-B845-A91B-944E8D53B5BA}"/>
               </a:ext>
             </a:extLst>
           </p:cNvPr>
@@ -3972,8 +4083,8 @@
         </p:nvSpPr>
         <p:spPr>
           <a:xfrm>
-            <a:off x="0" y="3429000"/>
-            <a:ext cx="479618" cy="369332"/>
+            <a:off x="1953959" y="787399"/>
+            <a:ext cx="377026" cy="246221"/>
           </a:xfrm>
           <a:prstGeom prst="rect">
             <a:avLst/>
@@ -3987,21 +4098,18 @@
           <a:lstStyle/>
           <a:p>
             <a:r>
-              <a:rPr lang="en-US" b="1" dirty="0">
-                <a:latin typeface="Arial" panose="020B0604020202020204" pitchFamily="34" charset="0"/>
-                <a:cs typeface="Arial" panose="020B0604020202020204" pitchFamily="34" charset="0"/>
-              </a:rPr>
-              <a:t>C. </a:t>
-            </a:r>
-          </a:p>
-        </p:txBody>
-      </p:sp>
-      <p:sp>
-        <p:nvSpPr>
-          <p:cNvPr id="46" name="TextBox 45">
-            <a:extLst>
-              <a:ext uri="{FF2B5EF4-FFF2-40B4-BE49-F238E27FC236}">
-                <a16:creationId xmlns:a16="http://schemas.microsoft.com/office/drawing/2014/main" id="{B217EAC1-3460-A748-B54B-3512CA4B254B}"/>
+              <a:rPr lang="en-US" sz="1000" b="1" dirty="0"/>
+              <a:t>***</a:t>
+            </a:r>
+          </a:p>
+        </p:txBody>
+      </p:sp>
+      <p:sp>
+        <p:nvSpPr>
+          <p:cNvPr id="12" name="TextBox 11">
+            <a:extLst>
+              <a:ext uri="{FF2B5EF4-FFF2-40B4-BE49-F238E27FC236}">
+                <a16:creationId xmlns:a16="http://schemas.microsoft.com/office/drawing/2014/main" id="{8DA77A21-C313-2443-91ED-3168091C8EDD}"/>
               </a:ext>
             </a:extLst>
           </p:cNvPr>
@@ -4010,8 +4118,8 @@
         </p:nvSpPr>
         <p:spPr>
           <a:xfrm>
-            <a:off x="3901542" y="3429000"/>
-            <a:ext cx="479618" cy="369332"/>
+            <a:off x="2980267" y="520353"/>
+            <a:ext cx="377026" cy="246221"/>
           </a:xfrm>
           <a:prstGeom prst="rect">
             <a:avLst/>
@@ -4025,11 +4133,253 @@
           <a:lstStyle/>
           <a:p>
             <a:r>
-              <a:rPr lang="en-US" b="1" dirty="0">
-                <a:latin typeface="Arial" panose="020B0604020202020204" pitchFamily="34" charset="0"/>
-                <a:cs typeface="Arial" panose="020B0604020202020204" pitchFamily="34" charset="0"/>
-              </a:rPr>
-              <a:t>D. </a:t>
+              <a:rPr lang="en-US" sz="1000" b="1" dirty="0"/>
+              <a:t>***</a:t>
+            </a:r>
+          </a:p>
+        </p:txBody>
+      </p:sp>
+      <p:sp>
+        <p:nvSpPr>
+          <p:cNvPr id="13" name="TextBox 12">
+            <a:extLst>
+              <a:ext uri="{FF2B5EF4-FFF2-40B4-BE49-F238E27FC236}">
+                <a16:creationId xmlns:a16="http://schemas.microsoft.com/office/drawing/2014/main" id="{33B00AB3-F479-A040-BB48-101A7EB79910}"/>
+              </a:ext>
+            </a:extLst>
+          </p:cNvPr>
+          <p:cNvSpPr txBox="1"/>
+          <p:nvPr/>
+        </p:nvSpPr>
+        <p:spPr>
+          <a:xfrm>
+            <a:off x="3340993" y="528819"/>
+            <a:ext cx="377026" cy="246221"/>
+          </a:xfrm>
+          <a:prstGeom prst="rect">
+            <a:avLst/>
+          </a:prstGeom>
+          <a:noFill/>
+        </p:spPr>
+        <p:txBody>
+          <a:bodyPr wrap="none" rtlCol="0">
+            <a:spAutoFit/>
+          </a:bodyPr>
+          <a:lstStyle/>
+          <a:p>
+            <a:r>
+              <a:rPr lang="en-US" sz="1000" b="1" dirty="0"/>
+              <a:t>***</a:t>
+            </a:r>
+          </a:p>
+        </p:txBody>
+      </p:sp>
+      <p:sp>
+        <p:nvSpPr>
+          <p:cNvPr id="15" name="TextBox 14">
+            <a:extLst>
+              <a:ext uri="{FF2B5EF4-FFF2-40B4-BE49-F238E27FC236}">
+                <a16:creationId xmlns:a16="http://schemas.microsoft.com/office/drawing/2014/main" id="{8CACEC8D-BB11-4C4D-9D9E-A10A3E156F3F}"/>
+              </a:ext>
+            </a:extLst>
+          </p:cNvPr>
+          <p:cNvSpPr txBox="1"/>
+          <p:nvPr/>
+        </p:nvSpPr>
+        <p:spPr>
+          <a:xfrm>
+            <a:off x="5427132" y="736592"/>
+            <a:ext cx="312906" cy="246221"/>
+          </a:xfrm>
+          <a:prstGeom prst="rect">
+            <a:avLst/>
+          </a:prstGeom>
+          <a:noFill/>
+        </p:spPr>
+        <p:txBody>
+          <a:bodyPr wrap="none" rtlCol="0">
+            <a:spAutoFit/>
+          </a:bodyPr>
+          <a:lstStyle/>
+          <a:p>
+            <a:r>
+              <a:rPr lang="en-US" sz="1000" b="1" dirty="0"/>
+              <a:t>**</a:t>
+            </a:r>
+          </a:p>
+        </p:txBody>
+      </p:sp>
+      <p:sp>
+        <p:nvSpPr>
+          <p:cNvPr id="18" name="TextBox 17">
+            <a:extLst>
+              <a:ext uri="{FF2B5EF4-FFF2-40B4-BE49-F238E27FC236}">
+                <a16:creationId xmlns:a16="http://schemas.microsoft.com/office/drawing/2014/main" id="{7D646B26-3C10-3D46-A02B-20E320892E2D}"/>
+              </a:ext>
+            </a:extLst>
+          </p:cNvPr>
+          <p:cNvSpPr txBox="1"/>
+          <p:nvPr/>
+        </p:nvSpPr>
+        <p:spPr>
+          <a:xfrm>
+            <a:off x="6349999" y="1105925"/>
+            <a:ext cx="248786" cy="246221"/>
+          </a:xfrm>
+          <a:prstGeom prst="rect">
+            <a:avLst/>
+          </a:prstGeom>
+          <a:noFill/>
+        </p:spPr>
+        <p:txBody>
+          <a:bodyPr wrap="none" rtlCol="0">
+            <a:spAutoFit/>
+          </a:bodyPr>
+          <a:lstStyle/>
+          <a:p>
+            <a:r>
+              <a:rPr lang="en-US" sz="1000" b="1" dirty="0"/>
+              <a:t>*</a:t>
+            </a:r>
+          </a:p>
+        </p:txBody>
+      </p:sp>
+      <p:sp>
+        <p:nvSpPr>
+          <p:cNvPr id="19" name="TextBox 18">
+            <a:extLst>
+              <a:ext uri="{FF2B5EF4-FFF2-40B4-BE49-F238E27FC236}">
+                <a16:creationId xmlns:a16="http://schemas.microsoft.com/office/drawing/2014/main" id="{EFB5D4C1-A627-4A46-A91E-F6C58CEA4F29}"/>
+              </a:ext>
+            </a:extLst>
+          </p:cNvPr>
+          <p:cNvSpPr txBox="1"/>
+          <p:nvPr/>
+        </p:nvSpPr>
+        <p:spPr>
+          <a:xfrm>
+            <a:off x="2394226" y="4334933"/>
+            <a:ext cx="377026" cy="246221"/>
+          </a:xfrm>
+          <a:prstGeom prst="rect">
+            <a:avLst/>
+          </a:prstGeom>
+          <a:noFill/>
+        </p:spPr>
+        <p:txBody>
+          <a:bodyPr wrap="none" rtlCol="0">
+            <a:spAutoFit/>
+          </a:bodyPr>
+          <a:lstStyle/>
+          <a:p>
+            <a:r>
+              <a:rPr lang="en-US" sz="1000" b="1" dirty="0"/>
+              <a:t>***</a:t>
+            </a:r>
+          </a:p>
+        </p:txBody>
+      </p:sp>
+      <p:sp>
+        <p:nvSpPr>
+          <p:cNvPr id="20" name="TextBox 19">
+            <a:extLst>
+              <a:ext uri="{FF2B5EF4-FFF2-40B4-BE49-F238E27FC236}">
+                <a16:creationId xmlns:a16="http://schemas.microsoft.com/office/drawing/2014/main" id="{99C04D9C-93F2-E14F-B854-1C5819679D96}"/>
+              </a:ext>
+            </a:extLst>
+          </p:cNvPr>
+          <p:cNvSpPr txBox="1"/>
+          <p:nvPr/>
+        </p:nvSpPr>
+        <p:spPr>
+          <a:xfrm>
+            <a:off x="6285879" y="4378313"/>
+            <a:ext cx="377026" cy="246221"/>
+          </a:xfrm>
+          <a:prstGeom prst="rect">
+            <a:avLst/>
+          </a:prstGeom>
+          <a:noFill/>
+        </p:spPr>
+        <p:txBody>
+          <a:bodyPr wrap="none" rtlCol="0">
+            <a:spAutoFit/>
+          </a:bodyPr>
+          <a:lstStyle/>
+          <a:p>
+            <a:r>
+              <a:rPr lang="en-US" sz="1000" b="1" dirty="0"/>
+              <a:t>***</a:t>
+            </a:r>
+          </a:p>
+        </p:txBody>
+      </p:sp>
+      <p:sp>
+        <p:nvSpPr>
+          <p:cNvPr id="21" name="TextBox 20">
+            <a:extLst>
+              <a:ext uri="{FF2B5EF4-FFF2-40B4-BE49-F238E27FC236}">
+                <a16:creationId xmlns:a16="http://schemas.microsoft.com/office/drawing/2014/main" id="{AF0077F8-2985-4C45-8664-343250324775}"/>
+              </a:ext>
+            </a:extLst>
+          </p:cNvPr>
+          <p:cNvSpPr txBox="1"/>
+          <p:nvPr/>
+        </p:nvSpPr>
+        <p:spPr>
+          <a:xfrm>
+            <a:off x="5427132" y="3866068"/>
+            <a:ext cx="312906" cy="246221"/>
+          </a:xfrm>
+          <a:prstGeom prst="rect">
+            <a:avLst/>
+          </a:prstGeom>
+          <a:noFill/>
+        </p:spPr>
+        <p:txBody>
+          <a:bodyPr wrap="none" rtlCol="0">
+            <a:spAutoFit/>
+          </a:bodyPr>
+          <a:lstStyle/>
+          <a:p>
+            <a:r>
+              <a:rPr lang="en-US" sz="1000" b="1" dirty="0"/>
+              <a:t>**</a:t>
+            </a:r>
+          </a:p>
+        </p:txBody>
+      </p:sp>
+      <p:sp>
+        <p:nvSpPr>
+          <p:cNvPr id="22" name="TextBox 21">
+            <a:extLst>
+              <a:ext uri="{FF2B5EF4-FFF2-40B4-BE49-F238E27FC236}">
+                <a16:creationId xmlns:a16="http://schemas.microsoft.com/office/drawing/2014/main" id="{4542B6BB-E6F4-F649-8461-D10B6D1BB43E}"/>
+              </a:ext>
+            </a:extLst>
+          </p:cNvPr>
+          <p:cNvSpPr txBox="1"/>
+          <p:nvPr/>
+        </p:nvSpPr>
+        <p:spPr>
+          <a:xfrm>
+            <a:off x="7213600" y="4622740"/>
+            <a:ext cx="312906" cy="246221"/>
+          </a:xfrm>
+          <a:prstGeom prst="rect">
+            <a:avLst/>
+          </a:prstGeom>
+          <a:noFill/>
+        </p:spPr>
+        <p:txBody>
+          <a:bodyPr wrap="none" rtlCol="0">
+            <a:spAutoFit/>
+          </a:bodyPr>
+          <a:lstStyle/>
+          <a:p>
+            <a:r>
+              <a:rPr lang="en-US" sz="1000" b="1" dirty="0"/>
+              <a:t>**</a:t>
             </a:r>
           </a:p>
         </p:txBody>
